--- a/doc/intro/slides/lesson_08_spring.pptx
+++ b/doc/intro/slides/lesson_08_spring.pptx
@@ -211,7 +211,7 @@
           <a:p>
             <a:fld id="{9B5B52BA-3295-0343-9E28-A260A811DD10}" type="datetimeFigureOut">
               <a:rPr lang="en-US" smtClean="0"/>
-              <a:t>14-Feb-18</a:t>
+              <a:t>28-Nov-18</a:t>
             </a:fld>
             <a:endParaRPr lang="en-US"/>
           </a:p>
@@ -610,7 +610,7 @@
           <a:p>
             <a:fld id="{04F1D4A2-813C-F741-B481-C92B3A596030}" type="datetimeFigureOut">
               <a:rPr lang="en-US" smtClean="0"/>
-              <a:t>14-Feb-18</a:t>
+              <a:t>28-Nov-18</a:t>
             </a:fld>
             <a:endParaRPr lang="en-US"/>
           </a:p>
@@ -780,7 +780,7 @@
           <a:p>
             <a:fld id="{04F1D4A2-813C-F741-B481-C92B3A596030}" type="datetimeFigureOut">
               <a:rPr lang="en-US" smtClean="0"/>
-              <a:t>14-Feb-18</a:t>
+              <a:t>28-Nov-18</a:t>
             </a:fld>
             <a:endParaRPr lang="en-US"/>
           </a:p>
@@ -960,7 +960,7 @@
           <a:p>
             <a:fld id="{04F1D4A2-813C-F741-B481-C92B3A596030}" type="datetimeFigureOut">
               <a:rPr lang="en-US" smtClean="0"/>
-              <a:t>14-Feb-18</a:t>
+              <a:t>28-Nov-18</a:t>
             </a:fld>
             <a:endParaRPr lang="en-US"/>
           </a:p>
@@ -1141,7 +1141,7 @@
           <a:p>
             <a:fld id="{04F1D4A2-813C-F741-B481-C92B3A596030}" type="datetimeFigureOut">
               <a:rPr lang="en-US" smtClean="0"/>
-              <a:t>14-Feb-18</a:t>
+              <a:t>28-Nov-18</a:t>
             </a:fld>
             <a:endParaRPr lang="en-US"/>
           </a:p>
@@ -1387,7 +1387,7 @@
           <a:p>
             <a:fld id="{04F1D4A2-813C-F741-B481-C92B3A596030}" type="datetimeFigureOut">
               <a:rPr lang="en-US" smtClean="0"/>
-              <a:t>14-Feb-18</a:t>
+              <a:t>28-Nov-18</a:t>
             </a:fld>
             <a:endParaRPr lang="en-US"/>
           </a:p>
@@ -1619,7 +1619,7 @@
           <a:p>
             <a:fld id="{04F1D4A2-813C-F741-B481-C92B3A596030}" type="datetimeFigureOut">
               <a:rPr lang="en-US" smtClean="0"/>
-              <a:t>14-Feb-18</a:t>
+              <a:t>28-Nov-18</a:t>
             </a:fld>
             <a:endParaRPr lang="en-US"/>
           </a:p>
@@ -1986,7 +1986,7 @@
           <a:p>
             <a:fld id="{04F1D4A2-813C-F741-B481-C92B3A596030}" type="datetimeFigureOut">
               <a:rPr lang="en-US" smtClean="0"/>
-              <a:t>14-Feb-18</a:t>
+              <a:t>28-Nov-18</a:t>
             </a:fld>
             <a:endParaRPr lang="en-US"/>
           </a:p>
@@ -2104,7 +2104,7 @@
           <a:p>
             <a:fld id="{04F1D4A2-813C-F741-B481-C92B3A596030}" type="datetimeFigureOut">
               <a:rPr lang="en-US" smtClean="0"/>
-              <a:t>14-Feb-18</a:t>
+              <a:t>28-Nov-18</a:t>
             </a:fld>
             <a:endParaRPr lang="en-US"/>
           </a:p>
@@ -2199,7 +2199,7 @@
           <a:p>
             <a:fld id="{04F1D4A2-813C-F741-B481-C92B3A596030}" type="datetimeFigureOut">
               <a:rPr lang="en-US" smtClean="0"/>
-              <a:t>14-Feb-18</a:t>
+              <a:t>28-Nov-18</a:t>
             </a:fld>
             <a:endParaRPr lang="en-US"/>
           </a:p>
@@ -2476,7 +2476,7 @@
           <a:p>
             <a:fld id="{04F1D4A2-813C-F741-B481-C92B3A596030}" type="datetimeFigureOut">
               <a:rPr lang="en-US" smtClean="0"/>
-              <a:t>14-Feb-18</a:t>
+              <a:t>28-Nov-18</a:t>
             </a:fld>
             <a:endParaRPr lang="en-US"/>
           </a:p>
@@ -2729,7 +2729,7 @@
           <a:p>
             <a:fld id="{04F1D4A2-813C-F741-B481-C92B3A596030}" type="datetimeFigureOut">
               <a:rPr lang="en-US" smtClean="0"/>
-              <a:t>14-Feb-18</a:t>
+              <a:t>28-Nov-18</a:t>
             </a:fld>
             <a:endParaRPr lang="en-US"/>
           </a:p>
@@ -2942,7 +2942,7 @@
           <a:p>
             <a:fld id="{04F1D4A2-813C-F741-B481-C92B3A596030}" type="datetimeFigureOut">
               <a:rPr lang="en-US" smtClean="0"/>
-              <a:t>14-Feb-18</a:t>
+              <a:t>28-Nov-18</a:t>
             </a:fld>
             <a:endParaRPr lang="en-US"/>
           </a:p>
@@ -3357,9 +3357,16 @@
             <p:ph type="ctrTitle"/>
           </p:nvPr>
         </p:nvSpPr>
-        <p:spPr/>
-        <p:txBody>
-          <a:bodyPr/>
+        <p:spPr>
+          <a:xfrm>
+            <a:off x="396240" y="1122362"/>
+            <a:ext cx="11490960" cy="3125441"/>
+          </a:xfrm>
+        </p:spPr>
+        <p:txBody>
+          <a:bodyPr>
+            <a:normAutofit/>
+          </a:bodyPr>
           <a:lstStyle/>
           <a:p>
             <a:pPr algn="l"/>
@@ -3373,18 +3380,25 @@
             </a:r>
             <a:r>
               <a:rPr lang="en-US" dirty="0" smtClean="0"/>
-              <a:t> 1</a:t>
+              <a:t> </a:t>
+            </a:r>
+            <a:r>
+              <a:rPr lang="en-US" dirty="0" smtClean="0"/>
+              <a:t>1</a:t>
             </a:r>
             <a:br>
               <a:rPr lang="en-US" dirty="0" smtClean="0"/>
             </a:br>
             <a:r>
               <a:rPr lang="en-US" dirty="0" smtClean="0"/>
-              <a:t>Lesson </a:t>
-            </a:r>
-            <a:r>
-              <a:rPr lang="en-US" dirty="0" smtClean="0"/>
-              <a:t>08: Spring</a:t>
+              <a:t/>
+            </a:r>
+            <a:br>
+              <a:rPr lang="en-US" dirty="0" smtClean="0"/>
+            </a:br>
+            <a:r>
+              <a:rPr lang="en-US" dirty="0" smtClean="0"/>
+              <a:t>Lesson 08: Spring</a:t>
             </a:r>
             <a:endParaRPr lang="en-US" dirty="0"/>
           </a:p>
@@ -3402,36 +3416,26 @@
         </p:nvSpPr>
         <p:spPr>
           <a:xfrm>
-            <a:off x="1524000" y="3920358"/>
+            <a:off x="1524000" y="5257799"/>
             <a:ext cx="9144000" cy="1337441"/>
           </a:xfrm>
         </p:spPr>
         <p:txBody>
           <a:bodyPr>
-            <a:normAutofit fontScale="92500" lnSpcReduction="10000"/>
+            <a:normAutofit/>
           </a:bodyPr>
           <a:lstStyle/>
           <a:p>
             <a:pPr algn="r"/>
             <a:r>
               <a:rPr lang="en-US" dirty="0" smtClean="0"/>
-              <a:t>Dr. Andrea Arcuri</a:t>
-            </a:r>
-          </a:p>
-          <a:p>
-            <a:pPr algn="r"/>
-            <a:r>
-              <a:rPr lang="en-US" dirty="0" smtClean="0"/>
-              <a:t>Westerdals Oslo ACT</a:t>
-            </a:r>
-          </a:p>
-          <a:p>
-            <a:pPr algn="r"/>
-            <a:r>
-              <a:rPr lang="en-US" dirty="0" smtClean="0"/>
-              <a:t>University of Luxembourg</a:t>
-            </a:r>
-            <a:endParaRPr lang="en-US" dirty="0"/>
+              <a:t>Dr. Andrea </a:t>
+            </a:r>
+            <a:r>
+              <a:rPr lang="en-US" dirty="0" smtClean="0"/>
+              <a:t>Arcuri</a:t>
+            </a:r>
+            <a:endParaRPr lang="en-US" dirty="0" smtClean="0"/>
           </a:p>
         </p:txBody>
       </p:sp>
@@ -3644,7 +3648,7 @@
         </p:spPr>
         <p:txBody>
           <a:bodyPr>
-            <a:normAutofit fontScale="92500" lnSpcReduction="10000"/>
+            <a:normAutofit fontScale="92500" lnSpcReduction="20000"/>
           </a:bodyPr>
           <a:lstStyle/>
           <a:p>
@@ -3691,7 +3695,15 @@
           <a:p>
             <a:r>
               <a:rPr lang="en-US" dirty="0" smtClean="0"/>
-              <a:t>Recall: today, if you really want to invest time in learning a front-end framework, learn </a:t>
+              <a:t>Recall: today, if you really want to invest time in learning a </a:t>
+            </a:r>
+            <a:r>
+              <a:rPr lang="en-US" dirty="0" smtClean="0"/>
+              <a:t>frontend framework/library, </a:t>
+            </a:r>
+            <a:r>
+              <a:rPr lang="en-US" dirty="0" smtClean="0"/>
+              <a:t>learn </a:t>
             </a:r>
             <a:r>
               <a:rPr lang="en-US" i="1" dirty="0" smtClean="0"/>
@@ -3699,7 +3711,43 @@
             </a:r>
             <a:r>
               <a:rPr lang="en-US" dirty="0" smtClean="0"/>
-              <a:t>We use JSF because can be in both Java EE and Spring, and do not need to go into details of JavaScript, AJAX and </a:t>
+              <a:t>We use JSF because can be in both </a:t>
+            </a:r>
+            <a:r>
+              <a:rPr lang="en-US" dirty="0" smtClean="0"/>
+              <a:t>JEE </a:t>
+            </a:r>
+            <a:r>
+              <a:rPr lang="en-US" dirty="0" smtClean="0"/>
+              <a:t>and Spring, and </a:t>
+            </a:r>
+            <a:r>
+              <a:rPr lang="en-US" dirty="0" smtClean="0"/>
+              <a:t>want to show how to build a web app without JavaScript</a:t>
+            </a:r>
+            <a:endParaRPr lang="en-US" dirty="0"/>
+          </a:p>
+          <a:p>
+            <a:pPr lvl="1"/>
+            <a:r>
+              <a:rPr lang="en-US" dirty="0" err="1" smtClean="0"/>
+              <a:t>ie</a:t>
+            </a:r>
+            <a:r>
+              <a:rPr lang="en-US" dirty="0" smtClean="0"/>
+              <a:t>, no </a:t>
+            </a:r>
+            <a:r>
+              <a:rPr lang="en-US" dirty="0" smtClean="0"/>
+              <a:t>AJAX </a:t>
+            </a:r>
+            <a:r>
+              <a:rPr lang="en-US" dirty="0" smtClean="0"/>
+              <a:t>nor</a:t>
+            </a:r>
+            <a:r>
+              <a:rPr lang="en-US" dirty="0" smtClean="0"/>
+              <a:t> </a:t>
             </a:r>
             <a:r>
               <a:rPr lang="en-US" dirty="0" err="1" smtClean="0"/>
@@ -3707,7 +3755,7 @@
             </a:r>
             <a:r>
               <a:rPr lang="en-US" dirty="0" smtClean="0"/>
-              <a:t> yet… </a:t>
+              <a:t> </a:t>
             </a:r>
             <a:endParaRPr lang="en-US" dirty="0"/>
           </a:p>
@@ -3800,13 +3848,26 @@
             </a:r>
             <a:r>
               <a:rPr lang="en-US" dirty="0" smtClean="0"/>
-              <a:t> Java EE </a:t>
-            </a:r>
-          </a:p>
-          <a:p>
-            <a:r>
-              <a:rPr lang="en-US" dirty="0" smtClean="0"/>
-              <a:t>No need of special Maven plugins to download a Java EE container like </a:t>
+              <a:t> </a:t>
+            </a:r>
+            <a:r>
+              <a:rPr lang="en-US" dirty="0" smtClean="0"/>
+              <a:t>JEE </a:t>
+            </a:r>
+            <a:endParaRPr lang="en-US" dirty="0" smtClean="0"/>
+          </a:p>
+          <a:p>
+            <a:r>
+              <a:rPr lang="en-US" dirty="0" smtClean="0"/>
+              <a:t>No need of special Maven plugins to download a </a:t>
+            </a:r>
+            <a:r>
+              <a:rPr lang="en-US" dirty="0" smtClean="0"/>
+              <a:t>JEE </a:t>
+            </a:r>
+            <a:r>
+              <a:rPr lang="en-US" dirty="0" smtClean="0"/>
+              <a:t>container like </a:t>
             </a:r>
             <a:r>
               <a:rPr lang="en-US" dirty="0" err="1" smtClean="0"/>
@@ -3839,7 +3900,15 @@
             </a:r>
             <a:r>
               <a:rPr lang="en-US" dirty="0" smtClean="0"/>
-              <a:t> to create a WAR file on the fly, and then have to control an external process running the Java EE container</a:t>
+              <a:t> to create a WAR file on the fly, and then have to control an external process running the </a:t>
+            </a:r>
+            <a:r>
+              <a:rPr lang="en-US" dirty="0" smtClean="0"/>
+              <a:t>JEE </a:t>
+            </a:r>
+            <a:r>
+              <a:rPr lang="en-US" dirty="0" smtClean="0"/>
+              <a:t>container</a:t>
             </a:r>
             <a:endParaRPr lang="en-US" dirty="0"/>
           </a:p>
@@ -4107,10 +4176,10 @@
               <a:t> provides sensible default configurations based on what present on your </a:t>
             </a:r>
             <a:r>
-              <a:rPr lang="en-US" dirty="0" err="1" smtClean="0"/>
+              <a:rPr lang="en-US" i="1" dirty="0" err="1" smtClean="0"/>
               <a:t>classpath</a:t>
             </a:r>
-            <a:endParaRPr lang="en-US" dirty="0" smtClean="0"/>
+            <a:endParaRPr lang="en-US" i="1" dirty="0" smtClean="0"/>
           </a:p>
           <a:p>
             <a:r>
@@ -4357,19 +4426,7 @@
           <a:p>
             <a:r>
               <a:rPr lang="en-US" dirty="0" smtClean="0"/>
-              <a:t>Exercises </a:t>
-            </a:r>
-            <a:r>
-              <a:rPr lang="en-US" dirty="0" smtClean="0"/>
-              <a:t>for Lesson </a:t>
-            </a:r>
-            <a:r>
-              <a:rPr lang="en-US" dirty="0" smtClean="0"/>
-              <a:t>08 </a:t>
-            </a:r>
-            <a:r>
-              <a:rPr lang="en-US" dirty="0" smtClean="0"/>
-              <a:t>(see documentation)</a:t>
+              <a:t>Exercises for Lesson 08 (see documentation)</a:t>
             </a:r>
             <a:endParaRPr lang="en-US" dirty="0"/>
           </a:p>
@@ -4568,19 +4625,45 @@
           <a:p>
             <a:r>
               <a:rPr lang="en-US" dirty="0" smtClean="0"/>
-              <a:t>Started as a lightweight alternative to Java EE</a:t>
-            </a:r>
-          </a:p>
-          <a:p>
-            <a:r>
-              <a:rPr lang="en-US" dirty="0" smtClean="0"/>
-              <a:t>Now quite complex, but shares/reuse many aspects of Java EE</a:t>
-            </a:r>
-          </a:p>
-          <a:p>
-            <a:r>
-              <a:rPr lang="en-US" dirty="0" smtClean="0"/>
-              <a:t>Probably one framework/library with the best documentation out there</a:t>
+              <a:t>Started as a lightweight alternative to </a:t>
+            </a:r>
+            <a:r>
+              <a:rPr lang="en-US" dirty="0" smtClean="0"/>
+              <a:t>JEE</a:t>
+            </a:r>
+            <a:endParaRPr lang="en-US" dirty="0" smtClean="0"/>
+          </a:p>
+          <a:p>
+            <a:r>
+              <a:rPr lang="en-US" dirty="0" smtClean="0"/>
+              <a:t>Now quite complex, but </a:t>
+            </a:r>
+            <a:r>
+              <a:rPr lang="en-US" dirty="0" smtClean="0"/>
+              <a:t>shares/reuses </a:t>
+            </a:r>
+            <a:r>
+              <a:rPr lang="en-US" dirty="0" smtClean="0"/>
+              <a:t>many aspects of </a:t>
+            </a:r>
+            <a:r>
+              <a:rPr lang="en-US" dirty="0" smtClean="0"/>
+              <a:t>JEE</a:t>
+            </a:r>
+            <a:endParaRPr lang="en-US" dirty="0" smtClean="0"/>
+          </a:p>
+          <a:p>
+            <a:r>
+              <a:rPr lang="en-US" dirty="0" smtClean="0"/>
+              <a:t>Probably one </a:t>
+            </a:r>
+            <a:r>
+              <a:rPr lang="en-US" dirty="0" smtClean="0"/>
+              <a:t>of the frameworks/libraries </a:t>
+            </a:r>
+            <a:r>
+              <a:rPr lang="en-US" dirty="0" smtClean="0"/>
+              <a:t>with the best documentation out there</a:t>
             </a:r>
           </a:p>
           <a:p>
@@ -4703,7 +4786,15 @@
             </a:r>
             <a:r>
               <a:rPr lang="en-US" dirty="0" smtClean="0"/>
-              <a:t>” of Java EE…</a:t>
+              <a:t>” of </a:t>
+            </a:r>
+            <a:r>
+              <a:rPr lang="en-US" dirty="0" smtClean="0"/>
+              <a:t>JEE</a:t>
+            </a:r>
+            <a:r>
+              <a:rPr lang="en-US" dirty="0" smtClean="0"/>
+              <a:t>…</a:t>
             </a:r>
             <a:endParaRPr lang="en-US" dirty="0"/>
           </a:p>
@@ -4979,7 +5070,15 @@
           <a:p>
             <a:r>
               <a:rPr lang="en-US" dirty="0" smtClean="0"/>
-              <a:t>However, like Java EE, it has a learning curve, as you need to have a clear understanding of </a:t>
+              <a:t>However, like </a:t>
+            </a:r>
+            <a:r>
+              <a:rPr lang="en-US" dirty="0" smtClean="0"/>
+              <a:t>JEE</a:t>
+            </a:r>
+            <a:r>
+              <a:rPr lang="en-US" dirty="0" smtClean="0"/>
+              <a:t>, it has a learning curve, as you need to have a clear understanding of </a:t>
             </a:r>
             <a:r>
               <a:rPr lang="en-US" i="1" dirty="0" smtClean="0"/>
@@ -5095,7 +5194,15 @@
           <a:p>
             <a:r>
               <a:rPr lang="en-US" dirty="0" smtClean="0"/>
-              <a:t>With Spring, you can still build a WAR file that can be deployed on a Java EE container like </a:t>
+              <a:t>With Spring, you can still build a WAR file that can be deployed on a </a:t>
+            </a:r>
+            <a:r>
+              <a:rPr lang="en-US" dirty="0" smtClean="0"/>
+              <a:t>JEE </a:t>
+            </a:r>
+            <a:r>
+              <a:rPr lang="en-US" dirty="0" smtClean="0"/>
+              <a:t>container like </a:t>
             </a:r>
             <a:r>
               <a:rPr lang="en-US" dirty="0" err="1" smtClean="0"/>
@@ -5106,7 +5213,23 @@
           <a:p>
             <a:r>
               <a:rPr lang="en-US" dirty="0" smtClean="0"/>
-              <a:t>That because Spring still implements the “Servlet” API of Java EE (which is the one use to interact with HTTP requests)</a:t>
+              <a:t>That because Spring still implements the “Servlet” API of </a:t>
+            </a:r>
+            <a:r>
+              <a:rPr lang="en-US" dirty="0" smtClean="0"/>
+              <a:t>JEE </a:t>
+            </a:r>
+            <a:r>
+              <a:rPr lang="en-US" dirty="0" smtClean="0"/>
+              <a:t>(which is the one </a:t>
+            </a:r>
+            <a:r>
+              <a:rPr lang="en-US" dirty="0" smtClean="0"/>
+              <a:t>used </a:t>
+            </a:r>
+            <a:r>
+              <a:rPr lang="en-US" dirty="0" smtClean="0"/>
+              <a:t>to interact with HTTP requests)</a:t>
             </a:r>
           </a:p>
           <a:p>
@@ -5134,7 +5257,11 @@
             <a:pPr lvl="1"/>
             <a:r>
               <a:rPr lang="en-US" dirty="0" smtClean="0"/>
-              <a:t>These two are servers that support the “Servlet” API, but not the other specs of Java EE</a:t>
+              <a:t>These two are servers that support the “Servlet” API, but not the other specs of </a:t>
+            </a:r>
+            <a:r>
+              <a:rPr lang="en-US" dirty="0" smtClean="0"/>
+              <a:t>JEE</a:t>
             </a:r>
             <a:endParaRPr lang="en-US" dirty="0"/>
           </a:p>
@@ -5187,7 +5314,15 @@
           <a:p>
             <a:r>
               <a:rPr lang="en-US" dirty="0" smtClean="0"/>
-              <a:t>From Java EE to Spring</a:t>
+              <a:t>From </a:t>
+            </a:r>
+            <a:r>
+              <a:rPr lang="en-US" dirty="0" smtClean="0"/>
+              <a:t>JEE </a:t>
+            </a:r>
+            <a:r>
+              <a:rPr lang="en-US" dirty="0" smtClean="0"/>
+              <a:t>to Spring</a:t>
             </a:r>
             <a:endParaRPr lang="en-US" dirty="0"/>
           </a:p>
@@ -5215,20 +5350,44 @@
           <a:p>
             <a:r>
               <a:rPr lang="en-US" dirty="0" smtClean="0"/>
-              <a:t>Spring is inspired by Java EE, and follows many of its conventions</a:t>
+              <a:t>Spring is inspired by </a:t>
+            </a:r>
+            <a:r>
+              <a:rPr lang="en-US" dirty="0" smtClean="0"/>
+              <a:t>JEE</a:t>
+            </a:r>
+            <a:r>
+              <a:rPr lang="en-US" dirty="0" smtClean="0"/>
+              <a:t>, and follows many of its conventions</a:t>
             </a:r>
           </a:p>
           <a:p>
             <a:pPr lvl="1"/>
             <a:r>
               <a:rPr lang="en-US" dirty="0" smtClean="0"/>
-              <a:t>and actually several aspects in Java EE came from Spring…</a:t>
-            </a:r>
-          </a:p>
-          <a:p>
-            <a:r>
-              <a:rPr lang="en-US" dirty="0" smtClean="0"/>
-              <a:t> Spring is huge, so we will just discuss what we have seen so far in Java EE, </a:t>
+              <a:t>and actually several aspects in </a:t>
+            </a:r>
+            <a:r>
+              <a:rPr lang="en-US" dirty="0" smtClean="0"/>
+              <a:t>JEE </a:t>
+            </a:r>
+            <a:r>
+              <a:rPr lang="en-US" dirty="0" smtClean="0"/>
+              <a:t>came from Spring…</a:t>
+            </a:r>
+          </a:p>
+          <a:p>
+            <a:r>
+              <a:rPr lang="en-US" dirty="0" smtClean="0"/>
+              <a:t> Spring is huge, so we will just discuss what we have seen so far in </a:t>
+            </a:r>
+            <a:r>
+              <a:rPr lang="en-US" dirty="0" smtClean="0"/>
+              <a:t>JEE</a:t>
+            </a:r>
+            <a:r>
+              <a:rPr lang="en-US" dirty="0" smtClean="0"/>
+              <a:t>, </a:t>
             </a:r>
             <a:r>
               <a:rPr lang="en-US" dirty="0" err="1" smtClean="0"/>
@@ -5382,7 +5541,15 @@
             </a:r>
             <a:r>
               <a:rPr lang="en-US" dirty="0" smtClean="0"/>
-              <a:t>, as Hibernate gets configured in main Spring configuration file (e.g., </a:t>
+              <a:t>, as Hibernate gets configured in </a:t>
+            </a:r>
+            <a:r>
+              <a:rPr lang="en-US" dirty="0" smtClean="0"/>
+              <a:t>the main </a:t>
+            </a:r>
+            <a:r>
+              <a:rPr lang="en-US" dirty="0" smtClean="0"/>
+              <a:t>Spring configuration file (e.g., </a:t>
             </a:r>
             <a:r>
               <a:rPr lang="en-US" i="1" dirty="0" err="1" smtClean="0"/>
@@ -5408,11 +5575,11 @@
             </a:r>
             <a:r>
               <a:rPr lang="en-US" i="1" dirty="0" smtClean="0"/>
-              <a:t>@Repository</a:t>
-            </a:r>
-            <a:r>
-              <a:rPr lang="en-US" dirty="0" smtClean="0"/>
-              <a:t>, but we will not see them in this course</a:t>
+              <a:t>@</a:t>
+            </a:r>
+            <a:r>
+              <a:rPr lang="en-US" i="1" dirty="0" smtClean="0"/>
+              <a:t>Repository</a:t>
             </a:r>
             <a:endParaRPr lang="en-US" dirty="0"/>
           </a:p>

--- a/doc/intro/slides/lesson_08_spring.pptx
+++ b/doc/intro/slides/lesson_08_spring.pptx
@@ -211,7 +211,7 @@
           <a:p>
             <a:fld id="{9B5B52BA-3295-0343-9E28-A260A811DD10}" type="datetimeFigureOut">
               <a:rPr lang="en-US" smtClean="0"/>
-              <a:t>28-Nov-18</a:t>
+              <a:t>12/26/18</a:t>
             </a:fld>
             <a:endParaRPr lang="en-US"/>
           </a:p>
@@ -610,7 +610,7 @@
           <a:p>
             <a:fld id="{04F1D4A2-813C-F741-B481-C92B3A596030}" type="datetimeFigureOut">
               <a:rPr lang="en-US" smtClean="0"/>
-              <a:t>28-Nov-18</a:t>
+              <a:t>12/26/18</a:t>
             </a:fld>
             <a:endParaRPr lang="en-US"/>
           </a:p>
@@ -780,7 +780,7 @@
           <a:p>
             <a:fld id="{04F1D4A2-813C-F741-B481-C92B3A596030}" type="datetimeFigureOut">
               <a:rPr lang="en-US" smtClean="0"/>
-              <a:t>28-Nov-18</a:t>
+              <a:t>12/26/18</a:t>
             </a:fld>
             <a:endParaRPr lang="en-US"/>
           </a:p>
@@ -960,7 +960,7 @@
           <a:p>
             <a:fld id="{04F1D4A2-813C-F741-B481-C92B3A596030}" type="datetimeFigureOut">
               <a:rPr lang="en-US" smtClean="0"/>
-              <a:t>28-Nov-18</a:t>
+              <a:t>12/26/18</a:t>
             </a:fld>
             <a:endParaRPr lang="en-US"/>
           </a:p>
@@ -1141,7 +1141,7 @@
           <a:p>
             <a:fld id="{04F1D4A2-813C-F741-B481-C92B3A596030}" type="datetimeFigureOut">
               <a:rPr lang="en-US" smtClean="0"/>
-              <a:t>28-Nov-18</a:t>
+              <a:t>12/26/18</a:t>
             </a:fld>
             <a:endParaRPr lang="en-US"/>
           </a:p>
@@ -1387,7 +1387,7 @@
           <a:p>
             <a:fld id="{04F1D4A2-813C-F741-B481-C92B3A596030}" type="datetimeFigureOut">
               <a:rPr lang="en-US" smtClean="0"/>
-              <a:t>28-Nov-18</a:t>
+              <a:t>12/26/18</a:t>
             </a:fld>
             <a:endParaRPr lang="en-US"/>
           </a:p>
@@ -1619,7 +1619,7 @@
           <a:p>
             <a:fld id="{04F1D4A2-813C-F741-B481-C92B3A596030}" type="datetimeFigureOut">
               <a:rPr lang="en-US" smtClean="0"/>
-              <a:t>28-Nov-18</a:t>
+              <a:t>12/26/18</a:t>
             </a:fld>
             <a:endParaRPr lang="en-US"/>
           </a:p>
@@ -1986,7 +1986,7 @@
           <a:p>
             <a:fld id="{04F1D4A2-813C-F741-B481-C92B3A596030}" type="datetimeFigureOut">
               <a:rPr lang="en-US" smtClean="0"/>
-              <a:t>28-Nov-18</a:t>
+              <a:t>12/26/18</a:t>
             </a:fld>
             <a:endParaRPr lang="en-US"/>
           </a:p>
@@ -2104,7 +2104,7 @@
           <a:p>
             <a:fld id="{04F1D4A2-813C-F741-B481-C92B3A596030}" type="datetimeFigureOut">
               <a:rPr lang="en-US" smtClean="0"/>
-              <a:t>28-Nov-18</a:t>
+              <a:t>12/26/18</a:t>
             </a:fld>
             <a:endParaRPr lang="en-US"/>
           </a:p>
@@ -2199,7 +2199,7 @@
           <a:p>
             <a:fld id="{04F1D4A2-813C-F741-B481-C92B3A596030}" type="datetimeFigureOut">
               <a:rPr lang="en-US" smtClean="0"/>
-              <a:t>28-Nov-18</a:t>
+              <a:t>12/26/18</a:t>
             </a:fld>
             <a:endParaRPr lang="en-US"/>
           </a:p>
@@ -2476,7 +2476,7 @@
           <a:p>
             <a:fld id="{04F1D4A2-813C-F741-B481-C92B3A596030}" type="datetimeFigureOut">
               <a:rPr lang="en-US" smtClean="0"/>
-              <a:t>28-Nov-18</a:t>
+              <a:t>12/26/18</a:t>
             </a:fld>
             <a:endParaRPr lang="en-US"/>
           </a:p>
@@ -2729,7 +2729,7 @@
           <a:p>
             <a:fld id="{04F1D4A2-813C-F741-B481-C92B3A596030}" type="datetimeFigureOut">
               <a:rPr lang="en-US" smtClean="0"/>
-              <a:t>28-Nov-18</a:t>
+              <a:t>12/26/18</a:t>
             </a:fld>
             <a:endParaRPr lang="en-US"/>
           </a:p>
@@ -2942,7 +2942,7 @@
           <a:p>
             <a:fld id="{04F1D4A2-813C-F741-B481-C92B3A596030}" type="datetimeFigureOut">
               <a:rPr lang="en-US" smtClean="0"/>
-              <a:t>28-Nov-18</a:t>
+              <a:t>12/26/18</a:t>
             </a:fld>
             <a:endParaRPr lang="en-US"/>
           </a:p>
@@ -3380,11 +3380,7 @@
             </a:r>
             <a:r>
               <a:rPr lang="en-US" dirty="0" smtClean="0"/>
-              <a:t> </a:t>
-            </a:r>
-            <a:r>
-              <a:rPr lang="en-US" dirty="0" smtClean="0"/>
-              <a:t>1</a:t>
+              <a:t> 1</a:t>
             </a:r>
             <a:br>
               <a:rPr lang="en-US" dirty="0" smtClean="0"/>
@@ -3428,14 +3424,17 @@
           <a:p>
             <a:pPr algn="r"/>
             <a:r>
-              <a:rPr lang="en-US" dirty="0" smtClean="0"/>
-              <a:t>Dr. Andrea </a:t>
-            </a:r>
-            <a:r>
-              <a:rPr lang="en-US" dirty="0" smtClean="0"/>
-              <a:t>Arcuri</a:t>
-            </a:r>
-            <a:endParaRPr lang="en-US" dirty="0" smtClean="0"/>
+              <a:rPr lang="en-US" smtClean="0"/>
+              <a:t>Prof</a:t>
+            </a:r>
+            <a:r>
+              <a:rPr lang="en-US" smtClean="0"/>
+              <a:t>. </a:t>
+            </a:r>
+            <a:r>
+              <a:rPr lang="en-US" dirty="0" smtClean="0"/>
+              <a:t>Andrea Arcuri</a:t>
+            </a:r>
           </a:p>
         </p:txBody>
       </p:sp>
@@ -3695,15 +3694,7 @@
           <a:p>
             <a:r>
               <a:rPr lang="en-US" dirty="0" smtClean="0"/>
-              <a:t>Recall: today, if you really want to invest time in learning a </a:t>
-            </a:r>
-            <a:r>
-              <a:rPr lang="en-US" dirty="0" smtClean="0"/>
-              <a:t>frontend framework/library, </a:t>
-            </a:r>
-            <a:r>
-              <a:rPr lang="en-US" dirty="0" smtClean="0"/>
-              <a:t>learn </a:t>
+              <a:t>Recall: today, if you really want to invest time in learning a frontend framework/library, learn </a:t>
             </a:r>
             <a:r>
               <a:rPr lang="en-US" i="1" dirty="0" smtClean="0"/>
@@ -3711,19 +3702,7 @@
             </a:r>
             <a:r>
               <a:rPr lang="en-US" dirty="0" smtClean="0"/>
-              <a:t>We use JSF because can be in both </a:t>
-            </a:r>
-            <a:r>
-              <a:rPr lang="en-US" dirty="0" smtClean="0"/>
-              <a:t>JEE </a:t>
-            </a:r>
-            <a:r>
-              <a:rPr lang="en-US" dirty="0" smtClean="0"/>
-              <a:t>and Spring, and </a:t>
-            </a:r>
-            <a:r>
-              <a:rPr lang="en-US" dirty="0" smtClean="0"/>
-              <a:t>want to show how to build a web app without JavaScript</a:t>
+              <a:t>We use JSF because can be in both JEE and Spring, and want to show how to build a web app without JavaScript</a:t>
             </a:r>
             <a:endParaRPr lang="en-US" dirty="0"/>
           </a:p>
@@ -3735,19 +3714,7 @@
             </a:r>
             <a:r>
               <a:rPr lang="en-US" dirty="0" smtClean="0"/>
-              <a:t>, no </a:t>
-            </a:r>
-            <a:r>
-              <a:rPr lang="en-US" dirty="0" smtClean="0"/>
-              <a:t>AJAX </a:t>
-            </a:r>
-            <a:r>
-              <a:rPr lang="en-US" dirty="0" smtClean="0"/>
-              <a:t>nor</a:t>
-            </a:r>
-            <a:r>
-              <a:rPr lang="en-US" dirty="0" smtClean="0"/>
-              <a:t> </a:t>
+              <a:t>, no AJAX nor </a:t>
             </a:r>
             <a:r>
               <a:rPr lang="en-US" dirty="0" err="1" smtClean="0"/>
@@ -3848,26 +3815,13 @@
             </a:r>
             <a:r>
               <a:rPr lang="en-US" dirty="0" smtClean="0"/>
-              <a:t> </a:t>
-            </a:r>
-            <a:r>
-              <a:rPr lang="en-US" dirty="0" smtClean="0"/>
-              <a:t>JEE </a:t>
-            </a:r>
-            <a:endParaRPr lang="en-US" dirty="0" smtClean="0"/>
-          </a:p>
-          <a:p>
-            <a:r>
-              <a:rPr lang="en-US" dirty="0" smtClean="0"/>
-              <a:t>No need of special Maven plugins to download a </a:t>
-            </a:r>
-            <a:r>
-              <a:rPr lang="en-US" dirty="0" smtClean="0"/>
-              <a:t>JEE </a:t>
-            </a:r>
-            <a:r>
-              <a:rPr lang="en-US" dirty="0" smtClean="0"/>
-              <a:t>container like </a:t>
+              <a:t> JEE </a:t>
+            </a:r>
+          </a:p>
+          <a:p>
+            <a:r>
+              <a:rPr lang="en-US" dirty="0" smtClean="0"/>
+              <a:t>No need of special Maven plugins to download a JEE container like </a:t>
             </a:r>
             <a:r>
               <a:rPr lang="en-US" dirty="0" err="1" smtClean="0"/>
@@ -3900,15 +3854,7 @@
             </a:r>
             <a:r>
               <a:rPr lang="en-US" dirty="0" smtClean="0"/>
-              <a:t> to create a WAR file on the fly, and then have to control an external process running the </a:t>
-            </a:r>
-            <a:r>
-              <a:rPr lang="en-US" dirty="0" smtClean="0"/>
-              <a:t>JEE </a:t>
-            </a:r>
-            <a:r>
-              <a:rPr lang="en-US" dirty="0" smtClean="0"/>
-              <a:t>container</a:t>
+              <a:t> to create a WAR file on the fly, and then have to control an external process running the JEE container</a:t>
             </a:r>
             <a:endParaRPr lang="en-US" dirty="0"/>
           </a:p>
@@ -4625,45 +4571,19 @@
           <a:p>
             <a:r>
               <a:rPr lang="en-US" dirty="0" smtClean="0"/>
-              <a:t>Started as a lightweight alternative to </a:t>
-            </a:r>
-            <a:r>
-              <a:rPr lang="en-US" dirty="0" smtClean="0"/>
-              <a:t>JEE</a:t>
-            </a:r>
-            <a:endParaRPr lang="en-US" dirty="0" smtClean="0"/>
-          </a:p>
-          <a:p>
-            <a:r>
-              <a:rPr lang="en-US" dirty="0" smtClean="0"/>
-              <a:t>Now quite complex, but </a:t>
-            </a:r>
-            <a:r>
-              <a:rPr lang="en-US" dirty="0" smtClean="0"/>
-              <a:t>shares/reuses </a:t>
-            </a:r>
-            <a:r>
-              <a:rPr lang="en-US" dirty="0" smtClean="0"/>
-              <a:t>many aspects of </a:t>
-            </a:r>
-            <a:r>
-              <a:rPr lang="en-US" dirty="0" smtClean="0"/>
-              <a:t>JEE</a:t>
-            </a:r>
-            <a:endParaRPr lang="en-US" dirty="0" smtClean="0"/>
-          </a:p>
-          <a:p>
-            <a:r>
-              <a:rPr lang="en-US" dirty="0" smtClean="0"/>
-              <a:t>Probably one </a:t>
-            </a:r>
-            <a:r>
-              <a:rPr lang="en-US" dirty="0" smtClean="0"/>
-              <a:t>of the frameworks/libraries </a:t>
-            </a:r>
-            <a:r>
-              <a:rPr lang="en-US" dirty="0" smtClean="0"/>
-              <a:t>with the best documentation out there</a:t>
+              <a:t>Started as a lightweight alternative to JEE</a:t>
+            </a:r>
+          </a:p>
+          <a:p>
+            <a:r>
+              <a:rPr lang="en-US" dirty="0" smtClean="0"/>
+              <a:t>Now quite complex, but shares/reuses many aspects of JEE</a:t>
+            </a:r>
+          </a:p>
+          <a:p>
+            <a:r>
+              <a:rPr lang="en-US" dirty="0" smtClean="0"/>
+              <a:t>Probably one of the frameworks/libraries with the best documentation out there</a:t>
             </a:r>
           </a:p>
           <a:p>
@@ -4786,15 +4706,7 @@
             </a:r>
             <a:r>
               <a:rPr lang="en-US" dirty="0" smtClean="0"/>
-              <a:t>” of </a:t>
-            </a:r>
-            <a:r>
-              <a:rPr lang="en-US" dirty="0" smtClean="0"/>
-              <a:t>JEE</a:t>
-            </a:r>
-            <a:r>
-              <a:rPr lang="en-US" dirty="0" smtClean="0"/>
-              <a:t>…</a:t>
+              <a:t>” of JEE…</a:t>
             </a:r>
             <a:endParaRPr lang="en-US" dirty="0"/>
           </a:p>
@@ -5070,15 +4982,7 @@
           <a:p>
             <a:r>
               <a:rPr lang="en-US" dirty="0" smtClean="0"/>
-              <a:t>However, like </a:t>
-            </a:r>
-            <a:r>
-              <a:rPr lang="en-US" dirty="0" smtClean="0"/>
-              <a:t>JEE</a:t>
-            </a:r>
-            <a:r>
-              <a:rPr lang="en-US" dirty="0" smtClean="0"/>
-              <a:t>, it has a learning curve, as you need to have a clear understanding of </a:t>
+              <a:t>However, like JEE, it has a learning curve, as you need to have a clear understanding of </a:t>
             </a:r>
             <a:r>
               <a:rPr lang="en-US" i="1" dirty="0" smtClean="0"/>
@@ -5194,15 +5098,7 @@
           <a:p>
             <a:r>
               <a:rPr lang="en-US" dirty="0" smtClean="0"/>
-              <a:t>With Spring, you can still build a WAR file that can be deployed on a </a:t>
-            </a:r>
-            <a:r>
-              <a:rPr lang="en-US" dirty="0" smtClean="0"/>
-              <a:t>JEE </a:t>
-            </a:r>
-            <a:r>
-              <a:rPr lang="en-US" dirty="0" smtClean="0"/>
-              <a:t>container like </a:t>
+              <a:t>With Spring, you can still build a WAR file that can be deployed on a JEE container like </a:t>
             </a:r>
             <a:r>
               <a:rPr lang="en-US" dirty="0" err="1" smtClean="0"/>
@@ -5213,23 +5109,7 @@
           <a:p>
             <a:r>
               <a:rPr lang="en-US" dirty="0" smtClean="0"/>
-              <a:t>That because Spring still implements the “Servlet” API of </a:t>
-            </a:r>
-            <a:r>
-              <a:rPr lang="en-US" dirty="0" smtClean="0"/>
-              <a:t>JEE </a:t>
-            </a:r>
-            <a:r>
-              <a:rPr lang="en-US" dirty="0" smtClean="0"/>
-              <a:t>(which is the one </a:t>
-            </a:r>
-            <a:r>
-              <a:rPr lang="en-US" dirty="0" smtClean="0"/>
-              <a:t>used </a:t>
-            </a:r>
-            <a:r>
-              <a:rPr lang="en-US" dirty="0" smtClean="0"/>
-              <a:t>to interact with HTTP requests)</a:t>
+              <a:t>That because Spring still implements the “Servlet” API of JEE (which is the one used to interact with HTTP requests)</a:t>
             </a:r>
           </a:p>
           <a:p>
@@ -5257,11 +5137,7 @@
             <a:pPr lvl="1"/>
             <a:r>
               <a:rPr lang="en-US" dirty="0" smtClean="0"/>
-              <a:t>These two are servers that support the “Servlet” API, but not the other specs of </a:t>
-            </a:r>
-            <a:r>
-              <a:rPr lang="en-US" dirty="0" smtClean="0"/>
-              <a:t>JEE</a:t>
+              <a:t>These two are servers that support the “Servlet” API, but not the other specs of JEE</a:t>
             </a:r>
             <a:endParaRPr lang="en-US" dirty="0"/>
           </a:p>
@@ -5314,15 +5190,7 @@
           <a:p>
             <a:r>
               <a:rPr lang="en-US" dirty="0" smtClean="0"/>
-              <a:t>From </a:t>
-            </a:r>
-            <a:r>
-              <a:rPr lang="en-US" dirty="0" smtClean="0"/>
-              <a:t>JEE </a:t>
-            </a:r>
-            <a:r>
-              <a:rPr lang="en-US" dirty="0" smtClean="0"/>
-              <a:t>to Spring</a:t>
+              <a:t>From JEE to Spring</a:t>
             </a:r>
             <a:endParaRPr lang="en-US" dirty="0"/>
           </a:p>
@@ -5350,44 +5218,20 @@
           <a:p>
             <a:r>
               <a:rPr lang="en-US" dirty="0" smtClean="0"/>
-              <a:t>Spring is inspired by </a:t>
-            </a:r>
-            <a:r>
-              <a:rPr lang="en-US" dirty="0" smtClean="0"/>
-              <a:t>JEE</a:t>
-            </a:r>
-            <a:r>
-              <a:rPr lang="en-US" dirty="0" smtClean="0"/>
-              <a:t>, and follows many of its conventions</a:t>
+              <a:t>Spring is inspired by JEE, and follows many of its conventions</a:t>
             </a:r>
           </a:p>
           <a:p>
             <a:pPr lvl="1"/>
             <a:r>
               <a:rPr lang="en-US" dirty="0" smtClean="0"/>
-              <a:t>and actually several aspects in </a:t>
-            </a:r>
-            <a:r>
-              <a:rPr lang="en-US" dirty="0" smtClean="0"/>
-              <a:t>JEE </a:t>
-            </a:r>
-            <a:r>
-              <a:rPr lang="en-US" dirty="0" smtClean="0"/>
-              <a:t>came from Spring…</a:t>
-            </a:r>
-          </a:p>
-          <a:p>
-            <a:r>
-              <a:rPr lang="en-US" dirty="0" smtClean="0"/>
-              <a:t> Spring is huge, so we will just discuss what we have seen so far in </a:t>
-            </a:r>
-            <a:r>
-              <a:rPr lang="en-US" dirty="0" smtClean="0"/>
-              <a:t>JEE</a:t>
-            </a:r>
-            <a:r>
-              <a:rPr lang="en-US" dirty="0" smtClean="0"/>
-              <a:t>, </a:t>
+              <a:t>and actually several aspects in JEE came from Spring…</a:t>
+            </a:r>
+          </a:p>
+          <a:p>
+            <a:r>
+              <a:rPr lang="en-US" dirty="0" smtClean="0"/>
+              <a:t> Spring is huge, so we will just discuss what we have seen so far in JEE, </a:t>
             </a:r>
             <a:r>
               <a:rPr lang="en-US" dirty="0" err="1" smtClean="0"/>
@@ -5541,15 +5385,7 @@
             </a:r>
             <a:r>
               <a:rPr lang="en-US" dirty="0" smtClean="0"/>
-              <a:t>, as Hibernate gets configured in </a:t>
-            </a:r>
-            <a:r>
-              <a:rPr lang="en-US" dirty="0" smtClean="0"/>
-              <a:t>the main </a:t>
-            </a:r>
-            <a:r>
-              <a:rPr lang="en-US" dirty="0" smtClean="0"/>
-              <a:t>Spring configuration file (e.g., </a:t>
+              <a:t>, as Hibernate gets configured in the main Spring configuration file (e.g., </a:t>
             </a:r>
             <a:r>
               <a:rPr lang="en-US" i="1" dirty="0" err="1" smtClean="0"/>
@@ -5575,11 +5411,7 @@
             </a:r>
             <a:r>
               <a:rPr lang="en-US" i="1" dirty="0" smtClean="0"/>
-              <a:t>@</a:t>
-            </a:r>
-            <a:r>
-              <a:rPr lang="en-US" i="1" dirty="0" smtClean="0"/>
-              <a:t>Repository</a:t>
+              <a:t>@Repository</a:t>
             </a:r>
             <a:endParaRPr lang="en-US" dirty="0"/>
           </a:p>

--- a/doc/intro/slides/lesson_08_spring.pptx
+++ b/doc/intro/slides/lesson_08_spring.pptx
@@ -211,7 +211,7 @@
           <a:p>
             <a:fld id="{9B5B52BA-3295-0343-9E28-A260A811DD10}" type="datetimeFigureOut">
               <a:rPr lang="en-US" smtClean="0"/>
-              <a:t>12/26/18</a:t>
+              <a:t>25-Feb-19</a:t>
             </a:fld>
             <a:endParaRPr lang="en-US"/>
           </a:p>
@@ -610,7 +610,7 @@
           <a:p>
             <a:fld id="{04F1D4A2-813C-F741-B481-C92B3A596030}" type="datetimeFigureOut">
               <a:rPr lang="en-US" smtClean="0"/>
-              <a:t>12/26/18</a:t>
+              <a:t>25-Feb-19</a:t>
             </a:fld>
             <a:endParaRPr lang="en-US"/>
           </a:p>
@@ -780,7 +780,7 @@
           <a:p>
             <a:fld id="{04F1D4A2-813C-F741-B481-C92B3A596030}" type="datetimeFigureOut">
               <a:rPr lang="en-US" smtClean="0"/>
-              <a:t>12/26/18</a:t>
+              <a:t>25-Feb-19</a:t>
             </a:fld>
             <a:endParaRPr lang="en-US"/>
           </a:p>
@@ -960,7 +960,7 @@
           <a:p>
             <a:fld id="{04F1D4A2-813C-F741-B481-C92B3A596030}" type="datetimeFigureOut">
               <a:rPr lang="en-US" smtClean="0"/>
-              <a:t>12/26/18</a:t>
+              <a:t>25-Feb-19</a:t>
             </a:fld>
             <a:endParaRPr lang="en-US"/>
           </a:p>
@@ -1141,7 +1141,7 @@
           <a:p>
             <a:fld id="{04F1D4A2-813C-F741-B481-C92B3A596030}" type="datetimeFigureOut">
               <a:rPr lang="en-US" smtClean="0"/>
-              <a:t>12/26/18</a:t>
+              <a:t>25-Feb-19</a:t>
             </a:fld>
             <a:endParaRPr lang="en-US"/>
           </a:p>
@@ -1387,7 +1387,7 @@
           <a:p>
             <a:fld id="{04F1D4A2-813C-F741-B481-C92B3A596030}" type="datetimeFigureOut">
               <a:rPr lang="en-US" smtClean="0"/>
-              <a:t>12/26/18</a:t>
+              <a:t>25-Feb-19</a:t>
             </a:fld>
             <a:endParaRPr lang="en-US"/>
           </a:p>
@@ -1619,7 +1619,7 @@
           <a:p>
             <a:fld id="{04F1D4A2-813C-F741-B481-C92B3A596030}" type="datetimeFigureOut">
               <a:rPr lang="en-US" smtClean="0"/>
-              <a:t>12/26/18</a:t>
+              <a:t>25-Feb-19</a:t>
             </a:fld>
             <a:endParaRPr lang="en-US"/>
           </a:p>
@@ -1986,7 +1986,7 @@
           <a:p>
             <a:fld id="{04F1D4A2-813C-F741-B481-C92B3A596030}" type="datetimeFigureOut">
               <a:rPr lang="en-US" smtClean="0"/>
-              <a:t>12/26/18</a:t>
+              <a:t>25-Feb-19</a:t>
             </a:fld>
             <a:endParaRPr lang="en-US"/>
           </a:p>
@@ -2104,7 +2104,7 @@
           <a:p>
             <a:fld id="{04F1D4A2-813C-F741-B481-C92B3A596030}" type="datetimeFigureOut">
               <a:rPr lang="en-US" smtClean="0"/>
-              <a:t>12/26/18</a:t>
+              <a:t>25-Feb-19</a:t>
             </a:fld>
             <a:endParaRPr lang="en-US"/>
           </a:p>
@@ -2199,7 +2199,7 @@
           <a:p>
             <a:fld id="{04F1D4A2-813C-F741-B481-C92B3A596030}" type="datetimeFigureOut">
               <a:rPr lang="en-US" smtClean="0"/>
-              <a:t>12/26/18</a:t>
+              <a:t>25-Feb-19</a:t>
             </a:fld>
             <a:endParaRPr lang="en-US"/>
           </a:p>
@@ -2476,7 +2476,7 @@
           <a:p>
             <a:fld id="{04F1D4A2-813C-F741-B481-C92B3A596030}" type="datetimeFigureOut">
               <a:rPr lang="en-US" smtClean="0"/>
-              <a:t>12/26/18</a:t>
+              <a:t>25-Feb-19</a:t>
             </a:fld>
             <a:endParaRPr lang="en-US"/>
           </a:p>
@@ -2729,7 +2729,7 @@
           <a:p>
             <a:fld id="{04F1D4A2-813C-F741-B481-C92B3A596030}" type="datetimeFigureOut">
               <a:rPr lang="en-US" smtClean="0"/>
-              <a:t>12/26/18</a:t>
+              <a:t>25-Feb-19</a:t>
             </a:fld>
             <a:endParaRPr lang="en-US"/>
           </a:p>
@@ -2942,7 +2942,7 @@
           <a:p>
             <a:fld id="{04F1D4A2-813C-F741-B481-C92B3A596030}" type="datetimeFigureOut">
               <a:rPr lang="en-US" smtClean="0"/>
-              <a:t>12/26/18</a:t>
+              <a:t>25-Feb-19</a:t>
             </a:fld>
             <a:endParaRPr lang="en-US"/>
           </a:p>
@@ -3425,11 +3425,7 @@
             <a:pPr algn="r"/>
             <a:r>
               <a:rPr lang="en-US" smtClean="0"/>
-              <a:t>Prof</a:t>
-            </a:r>
-            <a:r>
-              <a:rPr lang="en-US" smtClean="0"/>
-              <a:t>. </a:t>
+              <a:t>Prof. </a:t>
             </a:r>
             <a:r>
               <a:rPr lang="en-US" dirty="0" smtClean="0"/>
@@ -4114,7 +4110,7 @@
           <a:lstStyle/>
           <a:p>
             <a:r>
-              <a:rPr lang="en-US" dirty="0" err="1" smtClean="0"/>
+              <a:rPr lang="en-US" i="1" dirty="0" err="1" smtClean="0"/>
               <a:t>SpringBoot</a:t>
             </a:r>
             <a:r>
@@ -4976,7 +4972,15 @@
           <a:p>
             <a:r>
               <a:rPr lang="en-US" dirty="0" smtClean="0"/>
-              <a:t>Spring is the most popular framework to develop backend enterprise applications</a:t>
+              <a:t>Spring is </a:t>
+            </a:r>
+            <a:r>
+              <a:rPr lang="en-US" dirty="0" smtClean="0"/>
+              <a:t>arguably the </a:t>
+            </a:r>
+            <a:r>
+              <a:rPr lang="en-US" dirty="0" smtClean="0"/>
+              <a:t>most popular framework to develop backend enterprise applications</a:t>
             </a:r>
           </a:p>
           <a:p>
@@ -5109,7 +5113,15 @@
           <a:p>
             <a:r>
               <a:rPr lang="en-US" dirty="0" smtClean="0"/>
-              <a:t>That because Spring still implements the “Servlet” API of JEE (which is the one used to interact with HTTP requests)</a:t>
+              <a:t>That because Spring still implements the “</a:t>
+            </a:r>
+            <a:r>
+              <a:rPr lang="en-US" i="1" dirty="0" smtClean="0"/>
+              <a:t>Servlet</a:t>
+            </a:r>
+            <a:r>
+              <a:rPr lang="en-US" dirty="0" smtClean="0"/>
+              <a:t>” API of JEE (which is the one used to interact with HTTP requests)</a:t>
             </a:r>
           </a:p>
           <a:p>
@@ -5137,7 +5149,15 @@
             <a:pPr lvl="1"/>
             <a:r>
               <a:rPr lang="en-US" dirty="0" smtClean="0"/>
-              <a:t>These two are servers that support the “Servlet” API, but not the other specs of JEE</a:t>
+              <a:t>These two are servers that support the “</a:t>
+            </a:r>
+            <a:r>
+              <a:rPr lang="en-US" i="1" dirty="0" smtClean="0"/>
+              <a:t>Servlet</a:t>
+            </a:r>
+            <a:r>
+              <a:rPr lang="en-US" dirty="0" smtClean="0"/>
+              <a:t>” API, but not the other specs of JEE</a:t>
             </a:r>
             <a:endParaRPr lang="en-US" dirty="0"/>
           </a:p>
@@ -5231,7 +5251,11 @@
           <a:p>
             <a:r>
               <a:rPr lang="en-US" dirty="0" smtClean="0"/>
-              <a:t> Spring is huge, so we will just discuss what we have seen so far in JEE, </a:t>
+              <a:t>Spring </a:t>
+            </a:r>
+            <a:r>
+              <a:rPr lang="en-US" dirty="0" smtClean="0"/>
+              <a:t>is huge, so we will just discuss what we have seen so far in JEE, </a:t>
             </a:r>
             <a:r>
               <a:rPr lang="en-US" dirty="0" err="1" smtClean="0"/>

--- a/doc/intro/slides/lesson_08_spring.pptx
+++ b/doc/intro/slides/lesson_08_spring.pptx
@@ -4314,7 +4314,7 @@
         </p:spPr>
         <p:txBody>
           <a:bodyPr>
-            <a:normAutofit/>
+            <a:normAutofit fontScale="92500" lnSpcReduction="20000"/>
           </a:bodyPr>
           <a:lstStyle/>
           <a:p>
@@ -4343,6 +4343,13 @@
           <a:p>
             <a:r>
               <a:rPr lang="en-US" b="1" dirty="0" smtClean="0"/>
+              <a:t>intro/spring/bean/repository</a:t>
+            </a:r>
+            <a:endParaRPr lang="en-US" b="1" dirty="0" smtClean="0"/>
+          </a:p>
+          <a:p>
+            <a:r>
+              <a:rPr lang="en-US" b="1" dirty="0" smtClean="0"/>
               <a:t>intro/spring/bean/profile</a:t>
             </a:r>
             <a:endParaRPr lang="en-US" b="1" dirty="0"/>
@@ -4352,6 +4359,16 @@
               <a:rPr lang="en-US" b="1" dirty="0" smtClean="0"/>
               <a:t>intro/spring/bean/configuration</a:t>
             </a:r>
+          </a:p>
+          <a:p>
+            <a:r>
+              <a:rPr lang="en-US" b="1" dirty="0" smtClean="0"/>
+              <a:t>intro/spring/bean/</a:t>
+            </a:r>
+            <a:r>
+              <a:rPr lang="en-US" b="1" dirty="0" err="1" smtClean="0"/>
+              <a:t>async</a:t>
+            </a:r>
             <a:endParaRPr lang="en-US" b="1" dirty="0"/>
           </a:p>
           <a:p>
@@ -4368,7 +4385,11 @@
           <a:p>
             <a:r>
               <a:rPr lang="en-US" dirty="0" smtClean="0"/>
-              <a:t>Exercises for Lesson 08 (see documentation)</a:t>
+              <a:t>Exercises </a:t>
+            </a:r>
+            <a:r>
+              <a:rPr lang="en-US" dirty="0" smtClean="0"/>
+              <a:t>for Lesson 08 (see documentation)</a:t>
             </a:r>
             <a:endParaRPr lang="en-US" dirty="0"/>
           </a:p>

--- a/doc/intro/slides/lesson_08_spring.pptx
+++ b/doc/intro/slides/lesson_08_spring.pptx
@@ -5,7 +5,7 @@
     <p:sldMasterId id="2147483648" r:id="rId1"/>
   </p:sldMasterIdLst>
   <p:notesMasterIdLst>
-    <p:notesMasterId r:id="rId17"/>
+    <p:notesMasterId r:id="rId18"/>
   </p:notesMasterIdLst>
   <p:sldIdLst>
     <p:sldId id="256" r:id="rId2"/>
@@ -19,10 +19,11 @@
     <p:sldId id="282" r:id="rId10"/>
     <p:sldId id="283" r:id="rId11"/>
     <p:sldId id="284" r:id="rId12"/>
-    <p:sldId id="287" r:id="rId13"/>
-    <p:sldId id="285" r:id="rId14"/>
-    <p:sldId id="286" r:id="rId15"/>
-    <p:sldId id="271" r:id="rId16"/>
+    <p:sldId id="288" r:id="rId13"/>
+    <p:sldId id="287" r:id="rId14"/>
+    <p:sldId id="285" r:id="rId15"/>
+    <p:sldId id="286" r:id="rId16"/>
+    <p:sldId id="271" r:id="rId17"/>
   </p:sldIdLst>
   <p:sldSz cx="12192000" cy="6858000"/>
   <p:notesSz cx="6858000" cy="9144000"/>
@@ -3770,8 +3771,8 @@
           <a:lstStyle/>
           <a:p>
             <a:r>
-              <a:rPr lang="en-US" dirty="0" smtClean="0"/>
-              <a:t>Testing</a:t>
+              <a:rPr lang="en-US" dirty="0" err="1"/>
+              <a:t>JoinFaces</a:t>
             </a:r>
             <a:endParaRPr lang="en-US" dirty="0"/>
           </a:p>
@@ -3789,68 +3790,149 @@
         </p:nvSpPr>
         <p:spPr>
           <a:xfrm>
-            <a:off x="178025" y="1825625"/>
-            <a:ext cx="11798187" cy="4890764"/>
+            <a:off x="319815" y="1825624"/>
+            <a:ext cx="11711527" cy="4804901"/>
           </a:xfrm>
         </p:spPr>
         <p:txBody>
-          <a:bodyPr/>
-          <a:lstStyle/>
-          <a:p>
-            <a:r>
-              <a:rPr lang="en-US" dirty="0" smtClean="0"/>
-              <a:t>This is where Spring </a:t>
+          <a:bodyPr>
+            <a:normAutofit fontScale="92500"/>
+          </a:bodyPr>
+          <a:lstStyle/>
+          <a:p>
+            <a:r>
+              <a:rPr lang="en-US" dirty="0" smtClean="0"/>
+              <a:t>Library used to run JSF in </a:t>
+            </a:r>
+            <a:r>
+              <a:rPr lang="en-US" i="1" dirty="0" err="1" smtClean="0"/>
+              <a:t>SpringBoot</a:t>
+            </a:r>
+            <a:endParaRPr lang="en-US" i="1" dirty="0" smtClean="0"/>
+          </a:p>
+          <a:p>
+            <a:r>
+              <a:rPr lang="en-US" dirty="0" smtClean="0"/>
+              <a:t>No need to have </a:t>
+            </a:r>
+            <a:r>
+              <a:rPr lang="en-US" i="1" dirty="0" smtClean="0"/>
+              <a:t>web.xml</a:t>
+            </a:r>
+            <a:r>
+              <a:rPr lang="en-US" dirty="0" smtClean="0"/>
+              <a:t> configuration, and no need to generate a WAR, nor to have JSF files under “</a:t>
+            </a:r>
+            <a:r>
+              <a:rPr lang="en-US" i="1" dirty="0" err="1" smtClean="0"/>
+              <a:t>src</a:t>
+            </a:r>
+            <a:r>
+              <a:rPr lang="en-US" i="1" dirty="0" smtClean="0"/>
+              <a:t>/main/</a:t>
+            </a:r>
+            <a:r>
+              <a:rPr lang="en-US" i="1" dirty="0" err="1" smtClean="0"/>
+              <a:t>webapp</a:t>
+            </a:r>
+            <a:r>
+              <a:rPr lang="en-US" dirty="0" smtClean="0"/>
+              <a:t>”</a:t>
+            </a:r>
+          </a:p>
+          <a:p>
+            <a:r>
+              <a:rPr lang="en-US" dirty="0" smtClean="0"/>
+              <a:t>JSF files will be under “</a:t>
+            </a:r>
+            <a:r>
+              <a:rPr lang="en-US" i="1" dirty="0" err="1" smtClean="0"/>
+              <a:t>src</a:t>
+            </a:r>
+            <a:r>
+              <a:rPr lang="en-US" i="1" dirty="0" smtClean="0"/>
+              <a:t>/main/resources</a:t>
+            </a:r>
+            <a:r>
+              <a:rPr lang="en-US" dirty="0" smtClean="0"/>
+              <a:t>” as any other static resource</a:t>
+            </a:r>
+          </a:p>
+          <a:p>
+            <a:r>
+              <a:rPr lang="en-US" dirty="0" smtClean="0"/>
+              <a:t>In particular all files </a:t>
             </a:r>
             <a:r>
               <a:rPr lang="en-US" dirty="0"/>
-              <a:t>completely </a:t>
+              <a:t>under </a:t>
+            </a:r>
+            <a:r>
+              <a:rPr lang="en-US" dirty="0" smtClean="0"/>
+              <a:t>“</a:t>
+            </a:r>
+            <a:r>
+              <a:rPr lang="en-US" b="1" dirty="0" err="1" smtClean="0"/>
+              <a:t>src</a:t>
+            </a:r>
+            <a:r>
+              <a:rPr lang="en-US" b="1" dirty="0" smtClean="0"/>
+              <a:t>/main/resources/META-INF/resources</a:t>
+            </a:r>
+            <a:r>
+              <a:rPr lang="en-US" dirty="0" smtClean="0"/>
+              <a:t>” will be handled as HTTP assets for JSF </a:t>
+            </a:r>
+          </a:p>
+          <a:p>
+            <a:pPr lvl="1"/>
+            <a:r>
+              <a:rPr lang="en-US" dirty="0" smtClean="0"/>
+              <a:t>WARNING: in IntelliJ, because “</a:t>
             </a:r>
             <a:r>
               <a:rPr lang="en-US" i="1" dirty="0" smtClean="0"/>
-              <a:t>annihilates</a:t>
-            </a:r>
-            <a:r>
-              <a:rPr lang="en-US" dirty="0" smtClean="0"/>
-              <a:t> JEE </a:t>
-            </a:r>
-          </a:p>
-          <a:p>
-            <a:r>
-              <a:rPr lang="en-US" dirty="0" smtClean="0"/>
-              <a:t>No need of special Maven plugins to download a JEE container like </a:t>
+              <a:t>META-INF/resources</a:t>
+            </a:r>
+            <a:r>
+              <a:rPr lang="en-US" dirty="0" smtClean="0"/>
+              <a:t>” is under </a:t>
+            </a:r>
+            <a:r>
+              <a:rPr lang="en-US" dirty="0"/>
+              <a:t>“</a:t>
+            </a:r>
+            <a:r>
+              <a:rPr lang="en-US" i="1" dirty="0" err="1"/>
+              <a:t>src</a:t>
+            </a:r>
+            <a:r>
+              <a:rPr lang="en-US" i="1" dirty="0"/>
+              <a:t>/main/resources</a:t>
+            </a:r>
+            <a:r>
+              <a:rPr lang="en-US" dirty="0" smtClean="0"/>
+              <a:t>”, it might get visualized as a package, </a:t>
             </a:r>
             <a:r>
               <a:rPr lang="en-US" dirty="0" err="1" smtClean="0"/>
-              <a:t>WildFly</a:t>
-            </a:r>
-            <a:endParaRPr lang="en-US" dirty="0" smtClean="0"/>
-          </a:p>
-          <a:p>
-            <a:pPr lvl="1"/>
-            <a:r>
-              <a:rPr lang="en-US" dirty="0" smtClean="0"/>
-              <a:t>Spring is just yet another JAR library imported as a dependency</a:t>
-            </a:r>
-          </a:p>
-          <a:p>
-            <a:r>
-              <a:rPr lang="en-US" dirty="0" smtClean="0"/>
-              <a:t>A Spring application can be started directly by the tests inside the JVM of the tests</a:t>
-            </a:r>
-          </a:p>
-          <a:p>
-            <a:pPr lvl="1"/>
-            <a:r>
-              <a:rPr lang="en-US" dirty="0" smtClean="0"/>
-              <a:t>No need to use </a:t>
-            </a:r>
-            <a:r>
-              <a:rPr lang="en-US" dirty="0" err="1" smtClean="0"/>
-              <a:t>Arquillian</a:t>
-            </a:r>
-            <a:r>
-              <a:rPr lang="en-US" dirty="0" smtClean="0"/>
-              <a:t> to create a WAR file on the fly, and then have to control an external process running the JEE container</a:t>
+              <a:t>ie</a:t>
+            </a:r>
+            <a:r>
+              <a:rPr lang="en-US" dirty="0" smtClean="0"/>
+              <a:t> “</a:t>
+            </a:r>
+            <a:r>
+              <a:rPr lang="en-US" i="1" dirty="0" smtClean="0"/>
+              <a:t>META-</a:t>
+            </a:r>
+            <a:r>
+              <a:rPr lang="en-US" i="1" dirty="0" err="1" smtClean="0"/>
+              <a:t>INF.resources</a:t>
+            </a:r>
+            <a:r>
+              <a:rPr lang="en-US" dirty="0" smtClean="0"/>
+              <a:t>” </a:t>
             </a:r>
             <a:endParaRPr lang="en-US" dirty="0"/>
           </a:p>
@@ -3859,7 +3941,7 @@
     </p:spTree>
     <p:extLst>
       <p:ext uri="{BB962C8B-B14F-4D97-AF65-F5344CB8AC3E}">
-        <p14:creationId xmlns:p14="http://schemas.microsoft.com/office/powerpoint/2010/main" val="896725708"/>
+        <p14:creationId xmlns:p14="http://schemas.microsoft.com/office/powerpoint/2010/main" val="1688952965"/>
       </p:ext>
     </p:extLst>
   </p:cSld>
@@ -3896,10 +3978,33 @@
             <p:ph type="title"/>
           </p:nvPr>
         </p:nvSpPr>
+        <p:spPr/>
+        <p:txBody>
+          <a:bodyPr/>
+          <a:lstStyle/>
+          <a:p>
+            <a:r>
+              <a:rPr lang="en-US" dirty="0" smtClean="0"/>
+              <a:t>Testing</a:t>
+            </a:r>
+            <a:endParaRPr lang="en-US" dirty="0"/>
+          </a:p>
+        </p:txBody>
+      </p:sp>
+      <p:sp>
+        <p:nvSpPr>
+          <p:cNvPr id="3" name="Content Placeholder 2"/>
+          <p:cNvSpPr>
+            <a:spLocks noGrp="1"/>
+          </p:cNvSpPr>
+          <p:nvPr>
+            <p:ph idx="1"/>
+          </p:nvPr>
+        </p:nvSpPr>
         <p:spPr>
           <a:xfrm>
-            <a:off x="356050" y="365125"/>
-            <a:ext cx="11369309" cy="1325563"/>
+            <a:off x="178025" y="1825625"/>
+            <a:ext cx="11798187" cy="4890764"/>
           </a:xfrm>
         </p:spPr>
         <p:txBody>
@@ -3908,136 +4013,67 @@
           <a:p>
             <a:r>
               <a:rPr lang="en-US" dirty="0" smtClean="0"/>
-              <a:t>Entry Point</a:t>
+              <a:t>This is where Spring </a:t>
+            </a:r>
+            <a:r>
+              <a:rPr lang="en-US" dirty="0"/>
+              <a:t>completely </a:t>
+            </a:r>
+            <a:r>
+              <a:rPr lang="en-US" i="1" dirty="0" smtClean="0"/>
+              <a:t>annihilates</a:t>
+            </a:r>
+            <a:r>
+              <a:rPr lang="en-US" dirty="0" smtClean="0"/>
+              <a:t> JEE </a:t>
+            </a:r>
+          </a:p>
+          <a:p>
+            <a:r>
+              <a:rPr lang="en-US" dirty="0" smtClean="0"/>
+              <a:t>No need of special Maven plugins to download a JEE container like </a:t>
+            </a:r>
+            <a:r>
+              <a:rPr lang="en-US" dirty="0" err="1" smtClean="0"/>
+              <a:t>WildFly</a:t>
+            </a:r>
+            <a:endParaRPr lang="en-US" dirty="0" smtClean="0"/>
+          </a:p>
+          <a:p>
+            <a:pPr lvl="1"/>
+            <a:r>
+              <a:rPr lang="en-US" dirty="0" smtClean="0"/>
+              <a:t>Spring is just yet another JAR library imported as a dependency</a:t>
+            </a:r>
+          </a:p>
+          <a:p>
+            <a:r>
+              <a:rPr lang="en-US" dirty="0" smtClean="0"/>
+              <a:t>A Spring application can be started directly by the tests inside the JVM of the tests</a:t>
+            </a:r>
+          </a:p>
+          <a:p>
+            <a:pPr lvl="1"/>
+            <a:r>
+              <a:rPr lang="en-US" dirty="0" smtClean="0"/>
+              <a:t>No need to use </a:t>
+            </a:r>
+            <a:r>
+              <a:rPr lang="en-US" dirty="0" err="1" smtClean="0"/>
+              <a:t>Arquillian</a:t>
+            </a:r>
+            <a:r>
+              <a:rPr lang="en-US" dirty="0" smtClean="0"/>
+              <a:t> to create a WAR file on the fly, and then have to control an external process running the JEE container</a:t>
             </a:r>
             <a:endParaRPr lang="en-US" dirty="0"/>
-          </a:p>
-        </p:txBody>
-      </p:sp>
-      <p:sp>
-        <p:nvSpPr>
-          <p:cNvPr id="3" name="Content Placeholder 2"/>
-          <p:cNvSpPr>
-            <a:spLocks noGrp="1"/>
-          </p:cNvSpPr>
-          <p:nvPr>
-            <p:ph idx="1"/>
-          </p:nvPr>
-        </p:nvSpPr>
-        <p:spPr>
-          <a:xfrm>
-            <a:off x="145657" y="1825625"/>
-            <a:ext cx="11822463" cy="4898856"/>
-          </a:xfrm>
-        </p:spPr>
-        <p:txBody>
-          <a:bodyPr>
-            <a:normAutofit/>
-          </a:bodyPr>
-          <a:lstStyle/>
-          <a:p>
-            <a:r>
-              <a:rPr lang="en-US" dirty="0" smtClean="0"/>
-              <a:t>You need a class annotated </a:t>
-            </a:r>
-            <a:r>
-              <a:rPr lang="en-US" dirty="0"/>
-              <a:t>with </a:t>
-            </a:r>
-            <a:r>
-              <a:rPr lang="en-US" i="1" dirty="0"/>
-              <a:t>@</a:t>
-            </a:r>
-            <a:r>
-              <a:rPr lang="en-US" i="1" dirty="0" err="1" smtClean="0"/>
-              <a:t>SpringBootApplication</a:t>
-            </a:r>
-            <a:endParaRPr lang="en-US" i="1" dirty="0" smtClean="0"/>
-          </a:p>
-          <a:p>
-            <a:pPr lvl="1"/>
-            <a:r>
-              <a:rPr lang="en-US" dirty="0" smtClean="0"/>
-              <a:t>It will be the entry point of your application</a:t>
-            </a:r>
-          </a:p>
-          <a:p>
-            <a:r>
-              <a:rPr lang="en-US" dirty="0" err="1" smtClean="0"/>
-              <a:t>SpringBoot</a:t>
-            </a:r>
-            <a:r>
-              <a:rPr lang="en-US" dirty="0" smtClean="0"/>
-              <a:t> will automatically scan all the classes on your </a:t>
-            </a:r>
-            <a:r>
-              <a:rPr lang="en-US" i="1" dirty="0" err="1" smtClean="0"/>
-              <a:t>classpath</a:t>
-            </a:r>
-            <a:r>
-              <a:rPr lang="en-US" i="1" dirty="0" smtClean="0"/>
-              <a:t> </a:t>
-            </a:r>
-            <a:r>
-              <a:rPr lang="en-US" dirty="0" smtClean="0"/>
-              <a:t>(</a:t>
-            </a:r>
-            <a:r>
-              <a:rPr lang="en-US" dirty="0" err="1" smtClean="0"/>
-              <a:t>ie</a:t>
-            </a:r>
-            <a:r>
-              <a:rPr lang="en-US" dirty="0" smtClean="0"/>
-              <a:t> your own classes and all third-party dependencies) to check which </a:t>
-            </a:r>
-            <a:r>
-              <a:rPr lang="en-US" i="1" dirty="0" smtClean="0"/>
-              <a:t>@Service</a:t>
-            </a:r>
-            <a:r>
-              <a:rPr lang="en-US" dirty="0" smtClean="0"/>
-              <a:t> beans to start</a:t>
-            </a:r>
-          </a:p>
-          <a:p>
-            <a:r>
-              <a:rPr lang="en-US" dirty="0" smtClean="0"/>
-              <a:t>Be CAREFUL of package names: by default, if </a:t>
-            </a:r>
-            <a:r>
-              <a:rPr lang="en-US" i="1" dirty="0"/>
-              <a:t>@</a:t>
-            </a:r>
-            <a:r>
-              <a:rPr lang="en-US" i="1" dirty="0" err="1" smtClean="0"/>
-              <a:t>SpringBootApplication</a:t>
-            </a:r>
-            <a:r>
-              <a:rPr lang="en-US" i="1" dirty="0" smtClean="0"/>
-              <a:t> </a:t>
-            </a:r>
-            <a:r>
-              <a:rPr lang="en-US" dirty="0" smtClean="0"/>
-              <a:t>is in package X.Y.Z, it will scan only X.Y.Z and sub-packages</a:t>
-            </a:r>
-          </a:p>
-          <a:p>
-            <a:pPr lvl="1"/>
-            <a:r>
-              <a:rPr lang="en-US" dirty="0" err="1" smtClean="0"/>
-              <a:t>ie</a:t>
-            </a:r>
-            <a:r>
-              <a:rPr lang="en-US" dirty="0" smtClean="0"/>
-              <a:t>, X.Y.Z.W is OK, whereas X.Y will be ignored</a:t>
-            </a:r>
           </a:p>
         </p:txBody>
       </p:sp>
     </p:spTree>
     <p:extLst>
       <p:ext uri="{BB962C8B-B14F-4D97-AF65-F5344CB8AC3E}">
-        <p14:creationId xmlns:p14="http://schemas.microsoft.com/office/powerpoint/2010/main" val="3934640305"/>
+        <p14:creationId xmlns:p14="http://schemas.microsoft.com/office/powerpoint/2010/main" val="896725708"/>
       </p:ext>
     </p:extLst>
   </p:cSld>
@@ -4074,175 +4110,148 @@
             <p:ph type="title"/>
           </p:nvPr>
         </p:nvSpPr>
-        <p:spPr/>
-        <p:txBody>
-          <a:bodyPr/>
-          <a:lstStyle/>
-          <a:p>
-            <a:r>
-              <a:rPr lang="en-US" dirty="0" smtClean="0"/>
-              <a:t>Configurations</a:t>
-            </a:r>
-            <a:endParaRPr lang="en-US" dirty="0"/>
-          </a:p>
-        </p:txBody>
-      </p:sp>
-      <p:sp>
-        <p:nvSpPr>
-          <p:cNvPr id="3" name="Content Placeholder 2"/>
-          <p:cNvSpPr>
-            <a:spLocks noGrp="1"/>
-          </p:cNvSpPr>
-          <p:nvPr>
-            <p:ph idx="1"/>
-          </p:nvPr>
-        </p:nvSpPr>
         <p:spPr>
           <a:xfrm>
-            <a:off x="202301" y="1825625"/>
-            <a:ext cx="11757727" cy="4874580"/>
+            <a:off x="356050" y="365125"/>
+            <a:ext cx="11369309" cy="1325563"/>
           </a:xfrm>
         </p:spPr>
         <p:txBody>
+          <a:bodyPr/>
+          <a:lstStyle/>
+          <a:p>
+            <a:r>
+              <a:rPr lang="en-US" dirty="0" smtClean="0"/>
+              <a:t>Entry Point</a:t>
+            </a:r>
+            <a:endParaRPr lang="en-US" dirty="0"/>
+          </a:p>
+        </p:txBody>
+      </p:sp>
+      <p:sp>
+        <p:nvSpPr>
+          <p:cNvPr id="3" name="Content Placeholder 2"/>
+          <p:cNvSpPr>
+            <a:spLocks noGrp="1"/>
+          </p:cNvSpPr>
+          <p:nvPr>
+            <p:ph idx="1"/>
+          </p:nvPr>
+        </p:nvSpPr>
+        <p:spPr>
+          <a:xfrm>
+            <a:off x="145657" y="1825625"/>
+            <a:ext cx="11822463" cy="4898856"/>
+          </a:xfrm>
+        </p:spPr>
+        <p:txBody>
           <a:bodyPr>
-            <a:normAutofit lnSpcReduction="10000"/>
+            <a:normAutofit/>
           </a:bodyPr>
           <a:lstStyle/>
           <a:p>
             <a:r>
+              <a:rPr lang="en-US" dirty="0" smtClean="0"/>
+              <a:t>You need a class annotated </a:t>
+            </a:r>
+            <a:r>
+              <a:rPr lang="en-US" dirty="0"/>
+              <a:t>with </a:t>
+            </a:r>
+            <a:r>
+              <a:rPr lang="en-US" i="1" dirty="0"/>
+              <a:t>@</a:t>
+            </a:r>
+            <a:r>
               <a:rPr lang="en-US" i="1" dirty="0" err="1" smtClean="0"/>
+              <a:t>SpringBootApplication</a:t>
+            </a:r>
+            <a:endParaRPr lang="en-US" i="1" dirty="0" smtClean="0"/>
+          </a:p>
+          <a:p>
+            <a:pPr lvl="1"/>
+            <a:r>
+              <a:rPr lang="en-US" dirty="0" smtClean="0"/>
+              <a:t>It will be the entry point of your application</a:t>
+            </a:r>
+          </a:p>
+          <a:p>
+            <a:r>
+              <a:rPr lang="en-US" dirty="0" err="1" smtClean="0"/>
               <a:t>SpringBoot</a:t>
             </a:r>
             <a:r>
               <a:rPr lang="en-US" dirty="0" smtClean="0"/>
-              <a:t> provides sensible default configurations based on what present on your </a:t>
+              <a:t> will automatically scan all the classes on your </a:t>
             </a:r>
             <a:r>
               <a:rPr lang="en-US" i="1" dirty="0" err="1" smtClean="0"/>
               <a:t>classpath</a:t>
             </a:r>
-            <a:endParaRPr lang="en-US" i="1" dirty="0" smtClean="0"/>
-          </a:p>
-          <a:p>
-            <a:r>
-              <a:rPr lang="en-US" dirty="0" smtClean="0"/>
-              <a:t>If you need to do modifications, those will be in a </a:t>
-            </a:r>
-            <a:r>
-              <a:rPr lang="en-US" i="1" dirty="0" err="1" smtClean="0"/>
-              <a:t>application.properties</a:t>
-            </a:r>
             <a:r>
               <a:rPr lang="en-US" i="1" dirty="0" smtClean="0"/>
               <a:t> </a:t>
             </a:r>
             <a:r>
               <a:rPr lang="en-US" dirty="0" smtClean="0"/>
-              <a:t>or </a:t>
+              <a:t>(</a:t>
+            </a:r>
+            <a:r>
+              <a:rPr lang="en-US" dirty="0" err="1" smtClean="0"/>
+              <a:t>ie</a:t>
+            </a:r>
+            <a:r>
+              <a:rPr lang="en-US" dirty="0" smtClean="0"/>
+              <a:t> your own classes and all third-party dependencies) to check which </a:t>
+            </a:r>
+            <a:r>
+              <a:rPr lang="en-US" i="1" dirty="0" smtClean="0"/>
+              <a:t>@Service</a:t>
+            </a:r>
+            <a:r>
+              <a:rPr lang="en-US" dirty="0" smtClean="0"/>
+              <a:t> beans to start</a:t>
+            </a:r>
+          </a:p>
+          <a:p>
+            <a:r>
+              <a:rPr lang="en-US" dirty="0" smtClean="0"/>
+              <a:t>Be CAREFUL of package names: by default, if </a:t>
+            </a:r>
+            <a:r>
+              <a:rPr lang="en-US" i="1" dirty="0"/>
+              <a:t>@</a:t>
             </a:r>
             <a:r>
               <a:rPr lang="en-US" i="1" dirty="0" err="1" smtClean="0"/>
-              <a:t>application.yml</a:t>
-            </a:r>
-            <a:r>
-              <a:rPr lang="en-US" dirty="0"/>
+              <a:t>SpringBootApplication</a:t>
+            </a:r>
+            <a:r>
+              <a:rPr lang="en-US" i="1" dirty="0" smtClean="0"/>
               <a:t> </a:t>
             </a:r>
             <a:r>
               <a:rPr lang="en-US" dirty="0" smtClean="0"/>
-              <a:t>file</a:t>
+              <a:t>is in package X.Y.Z, it will scan only X.Y.Z and sub-packages</a:t>
             </a:r>
           </a:p>
           <a:p>
             <a:pPr lvl="1"/>
             <a:r>
-              <a:rPr lang="en-US" dirty="0" smtClean="0"/>
-              <a:t>those are the same, just in different formats</a:t>
-            </a:r>
-          </a:p>
-          <a:p>
-            <a:pPr lvl="1"/>
-            <a:r>
-              <a:rPr lang="en-US" dirty="0" smtClean="0"/>
-              <a:t>“.properties”: pairs &lt;property-name&gt;=&lt;value&gt;</a:t>
-            </a:r>
-          </a:p>
-          <a:p>
-            <a:pPr lvl="1"/>
-            <a:r>
-              <a:rPr lang="en-US" dirty="0" smtClean="0"/>
-              <a:t>“.</a:t>
-            </a:r>
-            <a:r>
               <a:rPr lang="en-US" dirty="0" err="1" smtClean="0"/>
-              <a:t>yml</a:t>
-            </a:r>
-            <a:r>
-              <a:rPr lang="en-US" dirty="0"/>
-              <a:t>”/“.</a:t>
-            </a:r>
-            <a:r>
-              <a:rPr lang="en-US" dirty="0" err="1" smtClean="0"/>
-              <a:t>yaml</a:t>
-            </a:r>
-            <a:r>
-              <a:rPr lang="en-US" dirty="0" smtClean="0"/>
-              <a:t>”: </a:t>
-            </a:r>
-            <a:r>
-              <a:rPr lang="en-US" dirty="0"/>
-              <a:t>YAML (YAML </a:t>
-            </a:r>
-            <a:r>
-              <a:rPr lang="en-US" dirty="0" err="1"/>
-              <a:t>Ain't</a:t>
-            </a:r>
-            <a:r>
-              <a:rPr lang="en-US" dirty="0"/>
-              <a:t> Markup Language</a:t>
-            </a:r>
-            <a:r>
-              <a:rPr lang="en-US" dirty="0" smtClean="0"/>
-              <a:t>)</a:t>
-            </a:r>
-          </a:p>
-          <a:p>
-            <a:r>
-              <a:rPr lang="en-US" dirty="0" smtClean="0"/>
-              <a:t>See following for list of properties:</a:t>
-            </a:r>
-          </a:p>
-          <a:p>
-            <a:pPr lvl="1"/>
-            <a:r>
-              <a:rPr lang="en-US" dirty="0" smtClean="0">
-                <a:hlinkClick r:id="rId2"/>
-              </a:rPr>
-              <a:t>https</a:t>
-            </a:r>
-            <a:r>
-              <a:rPr lang="en-US" dirty="0">
-                <a:hlinkClick r:id="rId2"/>
-              </a:rPr>
-              <a:t>://</a:t>
-            </a:r>
-            <a:r>
-              <a:rPr lang="en-US" dirty="0" smtClean="0">
-                <a:hlinkClick r:id="rId2"/>
-              </a:rPr>
-              <a:t>docs.spring.io/spring-boot/docs/current/reference/html/common-application-properties.html</a:t>
-            </a:r>
-            <a:endParaRPr lang="en-US" dirty="0" smtClean="0"/>
-          </a:p>
-          <a:p>
-            <a:endParaRPr lang="en-US" dirty="0"/>
+              <a:t>ie</a:t>
+            </a:r>
+            <a:r>
+              <a:rPr lang="en-US" dirty="0" smtClean="0"/>
+              <a:t>, X.Y.Z.W is OK, whereas X.Y will be ignored</a:t>
+            </a:r>
           </a:p>
         </p:txBody>
       </p:sp>
     </p:spTree>
     <p:extLst>
       <p:ext uri="{BB962C8B-B14F-4D97-AF65-F5344CB8AC3E}">
-        <p14:creationId xmlns:p14="http://schemas.microsoft.com/office/powerpoint/2010/main" val="2827432323"/>
+        <p14:creationId xmlns:p14="http://schemas.microsoft.com/office/powerpoint/2010/main" val="3934640305"/>
       </p:ext>
     </p:extLst>
   </p:cSld>
@@ -4271,6 +4280,211 @@
       </p:grpSpPr>
       <p:sp>
         <p:nvSpPr>
+          <p:cNvPr id="2" name="Title 1"/>
+          <p:cNvSpPr>
+            <a:spLocks noGrp="1"/>
+          </p:cNvSpPr>
+          <p:nvPr>
+            <p:ph type="title"/>
+          </p:nvPr>
+        </p:nvSpPr>
+        <p:spPr/>
+        <p:txBody>
+          <a:bodyPr/>
+          <a:lstStyle/>
+          <a:p>
+            <a:r>
+              <a:rPr lang="en-US" dirty="0" smtClean="0"/>
+              <a:t>Configurations</a:t>
+            </a:r>
+            <a:endParaRPr lang="en-US" dirty="0"/>
+          </a:p>
+        </p:txBody>
+      </p:sp>
+      <p:sp>
+        <p:nvSpPr>
+          <p:cNvPr id="3" name="Content Placeholder 2"/>
+          <p:cNvSpPr>
+            <a:spLocks noGrp="1"/>
+          </p:cNvSpPr>
+          <p:nvPr>
+            <p:ph idx="1"/>
+          </p:nvPr>
+        </p:nvSpPr>
+        <p:spPr>
+          <a:xfrm>
+            <a:off x="202301" y="1825625"/>
+            <a:ext cx="11757727" cy="4874580"/>
+          </a:xfrm>
+        </p:spPr>
+        <p:txBody>
+          <a:bodyPr>
+            <a:normAutofit lnSpcReduction="10000"/>
+          </a:bodyPr>
+          <a:lstStyle/>
+          <a:p>
+            <a:r>
+              <a:rPr lang="en-US" i="1" dirty="0" err="1" smtClean="0"/>
+              <a:t>SpringBoot</a:t>
+            </a:r>
+            <a:r>
+              <a:rPr lang="en-US" dirty="0" smtClean="0"/>
+              <a:t> provides sensible default configurations based on what present on your </a:t>
+            </a:r>
+            <a:r>
+              <a:rPr lang="en-US" i="1" dirty="0" err="1" smtClean="0"/>
+              <a:t>classpath</a:t>
+            </a:r>
+            <a:endParaRPr lang="en-US" i="1" dirty="0" smtClean="0"/>
+          </a:p>
+          <a:p>
+            <a:r>
+              <a:rPr lang="en-US" dirty="0" smtClean="0"/>
+              <a:t>If you need to do modifications, those will be in a </a:t>
+            </a:r>
+            <a:r>
+              <a:rPr lang="en-US" i="1" dirty="0" err="1" smtClean="0"/>
+              <a:t>application.properties</a:t>
+            </a:r>
+            <a:r>
+              <a:rPr lang="en-US" i="1" dirty="0" smtClean="0"/>
+              <a:t> </a:t>
+            </a:r>
+            <a:r>
+              <a:rPr lang="en-US" dirty="0" smtClean="0"/>
+              <a:t>or </a:t>
+            </a:r>
+            <a:r>
+              <a:rPr lang="en-US" i="1" dirty="0" err="1" smtClean="0"/>
+              <a:t>application.yml</a:t>
+            </a:r>
+            <a:r>
+              <a:rPr lang="en-US" dirty="0"/>
+              <a:t> </a:t>
+            </a:r>
+            <a:r>
+              <a:rPr lang="en-US" dirty="0" smtClean="0"/>
+              <a:t>file</a:t>
+            </a:r>
+          </a:p>
+          <a:p>
+            <a:pPr lvl="1"/>
+            <a:r>
+              <a:rPr lang="en-US" dirty="0" smtClean="0"/>
+              <a:t>those are the same, just in different formats</a:t>
+            </a:r>
+          </a:p>
+          <a:p>
+            <a:pPr lvl="1"/>
+            <a:r>
+              <a:rPr lang="en-US" dirty="0" smtClean="0"/>
+              <a:t>“.properties”: pairs &lt;property-name&gt;=&lt;value&gt;</a:t>
+            </a:r>
+          </a:p>
+          <a:p>
+            <a:pPr lvl="1"/>
+            <a:r>
+              <a:rPr lang="en-US" dirty="0" smtClean="0"/>
+              <a:t>“.</a:t>
+            </a:r>
+            <a:r>
+              <a:rPr lang="en-US" dirty="0" err="1" smtClean="0"/>
+              <a:t>yml</a:t>
+            </a:r>
+            <a:r>
+              <a:rPr lang="en-US" dirty="0"/>
+              <a:t>”/“.</a:t>
+            </a:r>
+            <a:r>
+              <a:rPr lang="en-US" dirty="0" err="1" smtClean="0"/>
+              <a:t>yaml</a:t>
+            </a:r>
+            <a:r>
+              <a:rPr lang="en-US" dirty="0" smtClean="0"/>
+              <a:t>”: </a:t>
+            </a:r>
+            <a:r>
+              <a:rPr lang="en-US" dirty="0"/>
+              <a:t>YAML (YAML </a:t>
+            </a:r>
+            <a:r>
+              <a:rPr lang="en-US" dirty="0" err="1"/>
+              <a:t>Ain't</a:t>
+            </a:r>
+            <a:r>
+              <a:rPr lang="en-US" dirty="0"/>
+              <a:t> Markup Language</a:t>
+            </a:r>
+            <a:r>
+              <a:rPr lang="en-US" dirty="0" smtClean="0"/>
+              <a:t>)</a:t>
+            </a:r>
+          </a:p>
+          <a:p>
+            <a:r>
+              <a:rPr lang="en-US" dirty="0" smtClean="0"/>
+              <a:t>See following for list of properties:</a:t>
+            </a:r>
+          </a:p>
+          <a:p>
+            <a:pPr lvl="1"/>
+            <a:r>
+              <a:rPr lang="en-US" dirty="0" smtClean="0">
+                <a:hlinkClick r:id="rId2"/>
+              </a:rPr>
+              <a:t>https</a:t>
+            </a:r>
+            <a:r>
+              <a:rPr lang="en-US" dirty="0">
+                <a:hlinkClick r:id="rId2"/>
+              </a:rPr>
+              <a:t>://</a:t>
+            </a:r>
+            <a:r>
+              <a:rPr lang="en-US" dirty="0" smtClean="0">
+                <a:hlinkClick r:id="rId2"/>
+              </a:rPr>
+              <a:t>docs.spring.io/spring-boot/docs/current/reference/html/common-application-properties.html</a:t>
+            </a:r>
+            <a:endParaRPr lang="en-US" dirty="0" smtClean="0"/>
+          </a:p>
+          <a:p>
+            <a:endParaRPr lang="en-US" dirty="0"/>
+          </a:p>
+        </p:txBody>
+      </p:sp>
+    </p:spTree>
+    <p:extLst>
+      <p:ext uri="{BB962C8B-B14F-4D97-AF65-F5344CB8AC3E}">
+        <p14:creationId xmlns:p14="http://schemas.microsoft.com/office/powerpoint/2010/main" val="2827432323"/>
+      </p:ext>
+    </p:extLst>
+  </p:cSld>
+  <p:clrMapOvr>
+    <a:masterClrMapping/>
+  </p:clrMapOvr>
+</p:sld>
+</file>
+
+<file path=ppt/slides/slide16.xml><?xml version="1.0" encoding="utf-8"?>
+<p:sld xmlns:a="http://schemas.openxmlformats.org/drawingml/2006/main" xmlns:r="http://schemas.openxmlformats.org/officeDocument/2006/relationships" xmlns:p="http://schemas.openxmlformats.org/presentationml/2006/main">
+  <p:cSld>
+    <p:spTree>
+      <p:nvGrpSpPr>
+        <p:cNvPr id="1" name=""/>
+        <p:cNvGrpSpPr/>
+        <p:nvPr/>
+      </p:nvGrpSpPr>
+      <p:grpSpPr>
+        <a:xfrm>
+          <a:off x="0" y="0"/>
+          <a:ext cx="0" cy="0"/>
+          <a:chOff x="0" y="0"/>
+          <a:chExt cx="0" cy="0"/>
+        </a:xfrm>
+      </p:grpSpPr>
+      <p:sp>
+        <p:nvSpPr>
           <p:cNvPr id="4" name="Title 3"/>
           <p:cNvSpPr>
             <a:spLocks noGrp="1"/>
@@ -4345,7 +4559,6 @@
               <a:rPr lang="en-US" b="1" dirty="0" smtClean="0"/>
               <a:t>intro/spring/bean/repository</a:t>
             </a:r>
-            <a:endParaRPr lang="en-US" b="1" dirty="0" smtClean="0"/>
           </a:p>
           <a:p>
             <a:r>
@@ -4385,11 +4598,7 @@
           <a:p>
             <a:r>
               <a:rPr lang="en-US" dirty="0" smtClean="0"/>
-              <a:t>Exercises </a:t>
-            </a:r>
-            <a:r>
-              <a:rPr lang="en-US" dirty="0" smtClean="0"/>
-              <a:t>for Lesson 08 (see documentation)</a:t>
+              <a:t>Exercises for Lesson 08 (see documentation)</a:t>
             </a:r>
             <a:endParaRPr lang="en-US" dirty="0"/>
           </a:p>
@@ -4993,15 +5202,7 @@
           <a:p>
             <a:r>
               <a:rPr lang="en-US" dirty="0" smtClean="0"/>
-              <a:t>Spring is </a:t>
-            </a:r>
-            <a:r>
-              <a:rPr lang="en-US" dirty="0" smtClean="0"/>
-              <a:t>arguably the </a:t>
-            </a:r>
-            <a:r>
-              <a:rPr lang="en-US" dirty="0" smtClean="0"/>
-              <a:t>most popular framework to develop backend enterprise applications</a:t>
+              <a:t>Spring is arguably the most popular framework to develop backend enterprise applications</a:t>
             </a:r>
           </a:p>
           <a:p>
@@ -5272,11 +5473,7 @@
           <a:p>
             <a:r>
               <a:rPr lang="en-US" dirty="0" smtClean="0"/>
-              <a:t>Spring </a:t>
-            </a:r>
-            <a:r>
-              <a:rPr lang="en-US" dirty="0" smtClean="0"/>
-              <a:t>is huge, so we will just discuss what we have seen so far in JEE, </a:t>
+              <a:t>Spring is huge, so we will just discuss what we have seen so far in JEE, </a:t>
             </a:r>
             <a:r>
               <a:rPr lang="en-US" dirty="0" err="1" smtClean="0"/>
